--- a/2021/EC2021.pptx
+++ b/2021/EC2021.pptx
@@ -15344,7 +15344,14 @@
                 <a:latin typeface="Leelawadee UI" panose="020B0502040204020203" pitchFamily="34" charset="-34"/>
                 <a:cs typeface="Leelawadee UI" panose="020B0502040204020203" pitchFamily="34" charset="-34"/>
               </a:rPr>
-              <a:t>Apresentar uma introdução.</a:t>
+              <a:t>Introdução</a:t>
+            </a:r>
+            <a:r>
+              <a:rPr lang="pt-BR" sz="1600" dirty="0">
+                <a:latin typeface="Leelawadee UI" panose="020B0502040204020203" pitchFamily="34" charset="-34"/>
+                <a:cs typeface="Leelawadee UI" panose="020B0502040204020203" pitchFamily="34" charset="-34"/>
+              </a:rPr>
+              <a:t>;</a:t>
             </a:r>
             <a:endParaRPr kumimoji="0" lang="en-GB" sz="1600" b="0" i="0" u="none" strike="noStrike" kern="1200" cap="none" spc="0" normalizeH="0" baseline="0" noProof="0" dirty="0">
               <a:ln>
@@ -15667,7 +15674,7 @@
                 <a:latin typeface="Leelawadee UI" panose="020B0502040204020203" pitchFamily="34" charset="-34"/>
                 <a:cs typeface="Leelawadee UI" panose="020B0502040204020203" pitchFamily="34" charset="-34"/>
               </a:rPr>
-              <a:t>Abordagem sobre a arquitetura.</a:t>
+              <a:t>Abordagem sobre a arquitetura;</a:t>
             </a:r>
             <a:endParaRPr lang="en-GB" sz="1600" dirty="0">
               <a:latin typeface="Leelawadee UI" panose="020B0502040204020203" pitchFamily="34" charset="-34"/>
@@ -15690,7 +15697,7 @@
         </p:nvSpPr>
         <p:spPr>
           <a:xfrm>
-            <a:off x="848280" y="3707614"/>
+            <a:off x="848280" y="3817783"/>
             <a:ext cx="1219200" cy="707886"/>
           </a:xfrm>
           <a:prstGeom prst="rect">
@@ -15867,7 +15874,7 @@
         </p:nvSpPr>
         <p:spPr>
           <a:xfrm>
-            <a:off x="1611925" y="3892280"/>
+            <a:off x="1611925" y="4002449"/>
             <a:ext cx="3544199" cy="338554"/>
           </a:xfrm>
           <a:prstGeom prst="rect">
@@ -15983,7 +15990,7 @@
                 <a:latin typeface="Leelawadee UI" panose="020B0502040204020203" pitchFamily="34" charset="-34"/>
                 <a:cs typeface="Leelawadee UI" panose="020B0502040204020203" pitchFamily="34" charset="-34"/>
               </a:rPr>
-              <a:t>Vantagens.</a:t>
+              <a:t>Vantagens;</a:t>
             </a:r>
             <a:endParaRPr lang="en-GB" sz="1600" dirty="0">
               <a:latin typeface="Leelawadee UI" panose="020B0502040204020203" pitchFamily="34" charset="-34"/>
@@ -16185,8 +16192,8 @@
         </p:nvSpPr>
         <p:spPr>
           <a:xfrm>
-            <a:off x="1581938" y="4828109"/>
-            <a:ext cx="3296899" cy="584775"/>
+            <a:off x="1562032" y="4935148"/>
+            <a:ext cx="3296899" cy="338554"/>
           </a:xfrm>
           <a:prstGeom prst="rect">
             <a:avLst/>
@@ -16311,13 +16318,6 @@
               <a:defRPr/>
             </a:pPr>
             <a:r>
-              <a:rPr lang="en-GB" sz="1600" dirty="0" err="1">
-                <a:latin typeface="Leelawadee UI" panose="020B0502040204020203" pitchFamily="34" charset="-34"/>
-                <a:cs typeface="Leelawadee UI" panose="020B0502040204020203" pitchFamily="34" charset="-34"/>
-              </a:rPr>
-              <a:t>Entregar</a:t>
-            </a:r>
-            <a:r>
               <a:rPr lang="en-GB" sz="1600" dirty="0">
                 <a:latin typeface="Leelawadee UI" panose="020B0502040204020203" pitchFamily="34" charset="-34"/>
                 <a:cs typeface="Leelawadee UI" panose="020B0502040204020203" pitchFamily="34" charset="-34"/>
@@ -16329,49 +16329,7 @@
                 <a:latin typeface="Leelawadee UI" panose="020B0502040204020203" pitchFamily="34" charset="-34"/>
                 <a:cs typeface="Leelawadee UI" panose="020B0502040204020203" pitchFamily="34" charset="-34"/>
               </a:rPr>
-              <a:t>uma</a:t>
-            </a:r>
-            <a:r>
-              <a:rPr lang="en-GB" sz="1600" dirty="0">
-                <a:latin typeface="Leelawadee UI" panose="020B0502040204020203" pitchFamily="34" charset="-34"/>
-                <a:cs typeface="Leelawadee UI" panose="020B0502040204020203" pitchFamily="34" charset="-34"/>
-              </a:rPr>
-              <a:t> </a:t>
-            </a:r>
-            <a:r>
-              <a:rPr lang="en-GB" sz="1600" dirty="0" err="1">
-                <a:latin typeface="Leelawadee UI" panose="020B0502040204020203" pitchFamily="34" charset="-34"/>
-                <a:cs typeface="Leelawadee UI" panose="020B0502040204020203" pitchFamily="34" charset="-34"/>
-              </a:rPr>
-              <a:t>opção</a:t>
-            </a:r>
-            <a:r>
-              <a:rPr lang="en-GB" sz="1600" dirty="0">
-                <a:latin typeface="Leelawadee UI" panose="020B0502040204020203" pitchFamily="34" charset="-34"/>
-                <a:cs typeface="Leelawadee UI" panose="020B0502040204020203" pitchFamily="34" charset="-34"/>
-              </a:rPr>
-              <a:t> para </a:t>
-            </a:r>
-            <a:r>
-              <a:rPr lang="en-GB" sz="1600" dirty="0" err="1">
-                <a:latin typeface="Leelawadee UI" panose="020B0502040204020203" pitchFamily="34" charset="-34"/>
-                <a:cs typeface="Leelawadee UI" panose="020B0502040204020203" pitchFamily="34" charset="-34"/>
-              </a:rPr>
-              <a:t>solução</a:t>
-            </a:r>
-            <a:r>
-              <a:rPr lang="en-GB" sz="1600" dirty="0">
-                <a:latin typeface="Leelawadee UI" panose="020B0502040204020203" pitchFamily="34" charset="-34"/>
-                <a:cs typeface="Leelawadee UI" panose="020B0502040204020203" pitchFamily="34" charset="-34"/>
-              </a:rPr>
-              <a:t> de </a:t>
-            </a:r>
-            <a:r>
-              <a:rPr lang="en-GB" sz="1600" dirty="0" err="1">
-                <a:latin typeface="Leelawadee UI" panose="020B0502040204020203" pitchFamily="34" charset="-34"/>
-                <a:cs typeface="Leelawadee UI" panose="020B0502040204020203" pitchFamily="34" charset="-34"/>
-              </a:rPr>
-              <a:t>projeto</a:t>
+              <a:t>Exemplo</a:t>
             </a:r>
             <a:r>
               <a:rPr lang="en-GB" sz="1600" dirty="0">
@@ -19490,6 +19448,19 @@
               <a:defRPr/>
             </a:pPr>
             <a:r>
+              <a:rPr kumimoji="0" lang="en-US" sz="1600" b="0" i="0" u="none" strike="noStrike" kern="1200" cap="none" spc="0" normalizeH="0" baseline="0" noProof="0" dirty="0" err="1">
+                <a:ln>
+                  <a:noFill/>
+                </a:ln>
+                <a:effectLst/>
+                <a:uLnTx/>
+                <a:uFillTx/>
+                <a:latin typeface="Segoe UI" panose="020B0502040204020203" pitchFamily="34" charset="0"/>
+                <a:cs typeface="Segoe UI" panose="020B0502040204020203" pitchFamily="34" charset="0"/>
+              </a:rPr>
+              <a:t>Arquitetura</a:t>
+            </a:r>
+            <a:r>
               <a:rPr kumimoji="0" lang="en-US" sz="1600" b="0" i="0" u="none" strike="noStrike" kern="1200" cap="none" spc="0" normalizeH="0" baseline="0" noProof="0" dirty="0">
                 <a:ln>
                   <a:noFill/>
@@ -19500,7 +19471,33 @@
                 <a:latin typeface="Segoe UI" panose="020B0502040204020203" pitchFamily="34" charset="0"/>
                 <a:cs typeface="Segoe UI" panose="020B0502040204020203" pitchFamily="34" charset="0"/>
               </a:rPr>
-              <a:t>Partner Web;</a:t>
+              <a:t> de </a:t>
+            </a:r>
+            <a:r>
+              <a:rPr kumimoji="0" lang="en-US" sz="1600" b="0" i="0" u="none" strike="noStrike" kern="1200" cap="none" spc="0" normalizeH="0" baseline="0" noProof="0" dirty="0" err="1">
+                <a:ln>
+                  <a:noFill/>
+                </a:ln>
+                <a:effectLst/>
+                <a:uLnTx/>
+                <a:uFillTx/>
+                <a:latin typeface="Segoe UI" panose="020B0502040204020203" pitchFamily="34" charset="0"/>
+                <a:cs typeface="Segoe UI" panose="020B0502040204020203" pitchFamily="34" charset="0"/>
+              </a:rPr>
+              <a:t>Softeare</a:t>
+            </a:r>
+            <a:r>
+              <a:rPr kumimoji="0" lang="en-US" sz="1600" b="0" i="0" u="none" strike="noStrike" kern="1200" cap="none" spc="0" normalizeH="0" baseline="0" noProof="0" dirty="0">
+                <a:ln>
+                  <a:noFill/>
+                </a:ln>
+                <a:effectLst/>
+                <a:uLnTx/>
+                <a:uFillTx/>
+                <a:latin typeface="Segoe UI" panose="020B0502040204020203" pitchFamily="34" charset="0"/>
+                <a:cs typeface="Segoe UI" panose="020B0502040204020203" pitchFamily="34" charset="0"/>
+              </a:rPr>
+              <a:t>;</a:t>
             </a:r>
             <a:endParaRPr kumimoji="0" lang="en-GB" sz="1600" b="0" i="0" u="none" strike="noStrike" kern="1200" cap="none" spc="0" normalizeH="0" baseline="0" noProof="0" dirty="0">
               <a:ln>
@@ -20622,7 +20619,7 @@
                 <a:latin typeface="Segoe UI" panose="020B0502040204020203" pitchFamily="34" charset="0"/>
                 <a:cs typeface="Segoe UI" panose="020B0502040204020203" pitchFamily="34" charset="0"/>
               </a:rPr>
-              <a:t>;</a:t>
+              <a:t>.</a:t>
             </a:r>
             <a:endParaRPr kumimoji="0" lang="en-GB" sz="1600" b="0" i="0" u="none" strike="noStrike" kern="1200" cap="none" spc="0" normalizeH="0" baseline="0" noProof="0" dirty="0">
               <a:ln>
@@ -22038,7 +22035,7 @@
                 <a:latin typeface="Segoe UI" panose="020B0502040204020203" pitchFamily="34" charset="0"/>
                 <a:cs typeface="Segoe UI" panose="020B0502040204020203" pitchFamily="34" charset="0"/>
               </a:rPr>
-              <a:t>conter regras de negócio . .</a:t>
+              <a:t>conter regras de negócio;</a:t>
             </a:r>
             <a:endParaRPr kumimoji="0" lang="en-GB" sz="1400" b="0" i="0" u="none" strike="noStrike" kern="1200" cap="none" spc="0" normalizeH="0" baseline="0" noProof="0" dirty="0">
               <a:ln>
@@ -22204,7 +22201,7 @@
                 <a:latin typeface="Segoe UI" panose="020B0502040204020203" pitchFamily="34" charset="0"/>
                 <a:cs typeface="Segoe UI" panose="020B0502040204020203" pitchFamily="34" charset="0"/>
               </a:rPr>
-              <a:t>Raramente têm seu próprio estado (quando têm, é o estado da IU em vez dos dados).</a:t>
+              <a:t>Raramente têm seu próprio estado (quando têm, é o estado da IU).</a:t>
             </a:r>
             <a:endParaRPr kumimoji="0" lang="en-GB" sz="1400" b="0" i="0" u="none" strike="noStrike" kern="1200" cap="none" spc="0" normalizeH="0" baseline="0" noProof="0" dirty="0">
               <a:ln>

--- a/2021/EC2021.pptx
+++ b/2021/EC2021.pptx
@@ -6687,96 +6687,6 @@
           </a:p>
         </p:txBody>
       </p:sp>
-      <p:pic>
-        <p:nvPicPr>
-          <p:cNvPr id="11" name="Imagem 10">
-            <a:extLst>
-              <a:ext uri="{FF2B5EF4-FFF2-40B4-BE49-F238E27FC236}">
-                <a16:creationId xmlns:a16="http://schemas.microsoft.com/office/drawing/2014/main" id="{589D1188-73E9-4E23-8868-41CA1B05B0B7}"/>
-              </a:ext>
-            </a:extLst>
-          </p:cNvPr>
-          <p:cNvPicPr>
-            <a:picLocks noChangeAspect="1"/>
-          </p:cNvPicPr>
-          <p:nvPr/>
-        </p:nvPicPr>
-        <p:blipFill>
-          <a:blip r:embed="rId2"/>
-          <a:stretch>
-            <a:fillRect/>
-          </a:stretch>
-        </p:blipFill>
-        <p:spPr>
-          <a:xfrm>
-            <a:off x="838200" y="2360926"/>
-            <a:ext cx="3742823" cy="2136148"/>
-          </a:xfrm>
-          <a:prstGeom prst="rect">
-            <a:avLst/>
-          </a:prstGeom>
-        </p:spPr>
-      </p:pic>
-      <p:pic>
-        <p:nvPicPr>
-          <p:cNvPr id="13" name="Imagem 12">
-            <a:extLst>
-              <a:ext uri="{FF2B5EF4-FFF2-40B4-BE49-F238E27FC236}">
-                <a16:creationId xmlns:a16="http://schemas.microsoft.com/office/drawing/2014/main" id="{09315561-A7D5-4CE6-B23A-F3948E677667}"/>
-              </a:ext>
-            </a:extLst>
-          </p:cNvPr>
-          <p:cNvPicPr>
-            <a:picLocks noChangeAspect="1"/>
-          </p:cNvPicPr>
-          <p:nvPr/>
-        </p:nvPicPr>
-        <p:blipFill>
-          <a:blip r:embed="rId3"/>
-          <a:stretch>
-            <a:fillRect/>
-          </a:stretch>
-        </p:blipFill>
-        <p:spPr>
-          <a:xfrm>
-            <a:off x="5391149" y="1613957"/>
-            <a:ext cx="4028919" cy="1701099"/>
-          </a:xfrm>
-          <a:prstGeom prst="rect">
-            <a:avLst/>
-          </a:prstGeom>
-        </p:spPr>
-      </p:pic>
-      <p:pic>
-        <p:nvPicPr>
-          <p:cNvPr id="15" name="Imagem 14">
-            <a:extLst>
-              <a:ext uri="{FF2B5EF4-FFF2-40B4-BE49-F238E27FC236}">
-                <a16:creationId xmlns:a16="http://schemas.microsoft.com/office/drawing/2014/main" id="{34DBFF0D-B0BC-49BF-BDC6-80E83E0FB03F}"/>
-              </a:ext>
-            </a:extLst>
-          </p:cNvPr>
-          <p:cNvPicPr>
-            <a:picLocks noChangeAspect="1"/>
-          </p:cNvPicPr>
-          <p:nvPr/>
-        </p:nvPicPr>
-        <p:blipFill>
-          <a:blip r:embed="rId4"/>
-          <a:stretch>
-            <a:fillRect/>
-          </a:stretch>
-        </p:blipFill>
-        <p:spPr>
-          <a:xfrm>
-            <a:off x="5391149" y="3704061"/>
-            <a:ext cx="4028918" cy="1646225"/>
-          </a:xfrm>
-          <a:prstGeom prst="rect">
-            <a:avLst/>
-          </a:prstGeom>
-        </p:spPr>
-      </p:pic>
       <p:sp>
         <p:nvSpPr>
           <p:cNvPr id="24" name="TextBox 22">
@@ -6943,6 +6853,36 @@
           </a:p>
         </p:txBody>
       </p:sp>
+      <p:pic>
+        <p:nvPicPr>
+          <p:cNvPr id="4" name="Imagem 3">
+            <a:extLst>
+              <a:ext uri="{FF2B5EF4-FFF2-40B4-BE49-F238E27FC236}">
+                <a16:creationId xmlns:a16="http://schemas.microsoft.com/office/drawing/2014/main" id="{C5C66727-53A0-46D6-B686-E758FDD71E5D}"/>
+              </a:ext>
+            </a:extLst>
+          </p:cNvPr>
+          <p:cNvPicPr>
+            <a:picLocks noChangeAspect="1"/>
+          </p:cNvPicPr>
+          <p:nvPr/>
+        </p:nvPicPr>
+        <p:blipFill>
+          <a:blip r:embed="rId2"/>
+          <a:stretch>
+            <a:fillRect/>
+          </a:stretch>
+        </p:blipFill>
+        <p:spPr>
+          <a:xfrm>
+            <a:off x="3677229" y="2109208"/>
+            <a:ext cx="4837043" cy="3891874"/>
+          </a:xfrm>
+          <a:prstGeom prst="rect">
+            <a:avLst/>
+          </a:prstGeom>
+        </p:spPr>
+      </p:pic>
     </p:spTree>
     <p:extLst>
       <p:ext uri="{BB962C8B-B14F-4D97-AF65-F5344CB8AC3E}">
@@ -7017,96 +6957,6 @@
           </a:p>
         </p:txBody>
       </p:sp>
-      <p:pic>
-        <p:nvPicPr>
-          <p:cNvPr id="4" name="Imagem 3">
-            <a:extLst>
-              <a:ext uri="{FF2B5EF4-FFF2-40B4-BE49-F238E27FC236}">
-                <a16:creationId xmlns:a16="http://schemas.microsoft.com/office/drawing/2014/main" id="{18AD8005-6D99-4FDF-ACDA-17D4343A7A9C}"/>
-              </a:ext>
-            </a:extLst>
-          </p:cNvPr>
-          <p:cNvPicPr>
-            <a:picLocks noChangeAspect="1"/>
-          </p:cNvPicPr>
-          <p:nvPr/>
-        </p:nvPicPr>
-        <p:blipFill>
-          <a:blip r:embed="rId2"/>
-          <a:stretch>
-            <a:fillRect/>
-          </a:stretch>
-        </p:blipFill>
-        <p:spPr>
-          <a:xfrm>
-            <a:off x="1161799" y="2620631"/>
-            <a:ext cx="3623742" cy="1868492"/>
-          </a:xfrm>
-          <a:prstGeom prst="rect">
-            <a:avLst/>
-          </a:prstGeom>
-        </p:spPr>
-      </p:pic>
-      <p:pic>
-        <p:nvPicPr>
-          <p:cNvPr id="6" name="Imagem 5">
-            <a:extLst>
-              <a:ext uri="{FF2B5EF4-FFF2-40B4-BE49-F238E27FC236}">
-                <a16:creationId xmlns:a16="http://schemas.microsoft.com/office/drawing/2014/main" id="{9E73DEC7-3203-4687-99CB-22A4D79365B1}"/>
-              </a:ext>
-            </a:extLst>
-          </p:cNvPr>
-          <p:cNvPicPr>
-            <a:picLocks noChangeAspect="1"/>
-          </p:cNvPicPr>
-          <p:nvPr/>
-        </p:nvPicPr>
-        <p:blipFill>
-          <a:blip r:embed="rId3"/>
-          <a:stretch>
-            <a:fillRect/>
-          </a:stretch>
-        </p:blipFill>
-        <p:spPr>
-          <a:xfrm>
-            <a:off x="5675697" y="1603667"/>
-            <a:ext cx="4464720" cy="2033928"/>
-          </a:xfrm>
-          <a:prstGeom prst="rect">
-            <a:avLst/>
-          </a:prstGeom>
-        </p:spPr>
-      </p:pic>
-      <p:pic>
-        <p:nvPicPr>
-          <p:cNvPr id="9" name="Imagem 8">
-            <a:extLst>
-              <a:ext uri="{FF2B5EF4-FFF2-40B4-BE49-F238E27FC236}">
-                <a16:creationId xmlns:a16="http://schemas.microsoft.com/office/drawing/2014/main" id="{8D283944-4115-4D14-BDAE-D807DC20C6A8}"/>
-              </a:ext>
-            </a:extLst>
-          </p:cNvPr>
-          <p:cNvPicPr>
-            <a:picLocks noChangeAspect="1"/>
-          </p:cNvPicPr>
-          <p:nvPr/>
-        </p:nvPicPr>
-        <p:blipFill>
-          <a:blip r:embed="rId4"/>
-          <a:stretch>
-            <a:fillRect/>
-          </a:stretch>
-        </p:blipFill>
-        <p:spPr>
-          <a:xfrm>
-            <a:off x="5675697" y="4016311"/>
-            <a:ext cx="4506365" cy="1868493"/>
-          </a:xfrm>
-          <a:prstGeom prst="rect">
-            <a:avLst/>
-          </a:prstGeom>
-        </p:spPr>
-      </p:pic>
       <p:sp>
         <p:nvSpPr>
           <p:cNvPr id="7" name="TextBox 22">
@@ -7273,6 +7123,36 @@
           </a:p>
         </p:txBody>
       </p:sp>
+      <p:pic>
+        <p:nvPicPr>
+          <p:cNvPr id="5" name="Imagem 4">
+            <a:extLst>
+              <a:ext uri="{FF2B5EF4-FFF2-40B4-BE49-F238E27FC236}">
+                <a16:creationId xmlns:a16="http://schemas.microsoft.com/office/drawing/2014/main" id="{3398DAC4-0199-47ED-B1FA-4D3942ED4CEC}"/>
+              </a:ext>
+            </a:extLst>
+          </p:cNvPr>
+          <p:cNvPicPr>
+            <a:picLocks noChangeAspect="1"/>
+          </p:cNvPicPr>
+          <p:nvPr/>
+        </p:nvPicPr>
+        <p:blipFill>
+          <a:blip r:embed="rId2"/>
+          <a:stretch>
+            <a:fillRect/>
+          </a:stretch>
+        </p:blipFill>
+        <p:spPr>
+          <a:xfrm>
+            <a:off x="3141035" y="2077713"/>
+            <a:ext cx="5500778" cy="3351048"/>
+          </a:xfrm>
+          <a:prstGeom prst="rect">
+            <a:avLst/>
+          </a:prstGeom>
+        </p:spPr>
+      </p:pic>
     </p:spTree>
     <p:extLst>
       <p:ext uri="{BB962C8B-B14F-4D97-AF65-F5344CB8AC3E}">

--- a/2021/EC2021.pptx
+++ b/2021/EC2021.pptx
@@ -26,7 +26,6 @@
     <p:sldId id="285" r:id="rId20"/>
     <p:sldId id="267" r:id="rId21"/>
     <p:sldId id="268" r:id="rId22"/>
-    <p:sldId id="269" r:id="rId23"/>
   </p:sldIdLst>
   <p:sldSz cx="12192000" cy="6858000"/>
   <p:notesSz cx="6858000" cy="9144000"/>
@@ -8577,6 +8576,58 @@
           <a:chExt cx="0" cy="0"/>
         </a:xfrm>
       </p:grpSpPr>
+      <p:pic>
+        <p:nvPicPr>
+          <p:cNvPr id="2" name="Imagem 1" descr="Código QR&#10;&#10;Descrição gerada automaticamente">
+            <a:extLst>
+              <a:ext uri="{FF2B5EF4-FFF2-40B4-BE49-F238E27FC236}">
+                <a16:creationId xmlns:a16="http://schemas.microsoft.com/office/drawing/2014/main" id="{63AA9864-0383-455E-A4B3-6C5239FC2B03}"/>
+              </a:ext>
+            </a:extLst>
+          </p:cNvPr>
+          <p:cNvPicPr>
+            <a:picLocks noChangeAspect="1"/>
+          </p:cNvPicPr>
+          <p:nvPr/>
+        </p:nvPicPr>
+        <p:blipFill>
+          <a:blip r:embed="rId2">
+            <a:extLst>
+              <a:ext uri="{28A0092B-C50C-407E-A947-70E740481C1C}">
+                <a14:useLocalDpi xmlns:a14="http://schemas.microsoft.com/office/drawing/2010/main" val="0"/>
+              </a:ext>
+            </a:extLst>
+          </a:blip>
+          <a:stretch>
+            <a:fillRect/>
+          </a:stretch>
+        </p:blipFill>
+        <p:spPr>
+          <a:xfrm>
+            <a:off x="9995030" y="4734119"/>
+            <a:ext cx="1713334" cy="1713334"/>
+          </a:xfrm>
+          <a:prstGeom prst="round2DiagRect">
+            <a:avLst>
+              <a:gd name="adj1" fmla="val 16667"/>
+              <a:gd name="adj2" fmla="val 9796"/>
+            </a:avLst>
+          </a:prstGeom>
+          <a:ln w="88900" cap="sq">
+            <a:solidFill>
+              <a:srgbClr val="FFFFFF"/>
+            </a:solidFill>
+            <a:miter lim="800000"/>
+          </a:ln>
+          <a:effectLst>
+            <a:outerShdw blurRad="254000" algn="tl" rotWithShape="0">
+              <a:srgbClr val="000000">
+                <a:alpha val="43000"/>
+              </a:srgbClr>
+            </a:outerShdw>
+          </a:effectLst>
+        </p:spPr>
+      </p:pic>
     </p:spTree>
     <p:extLst>
       <p:ext uri="{BB962C8B-B14F-4D97-AF65-F5344CB8AC3E}">
@@ -8846,48 +8897,62 @@
           </a:p>
         </p:txBody>
       </p:sp>
+      <p:pic>
+        <p:nvPicPr>
+          <p:cNvPr id="8" name="Imagem 7" descr="Código QR&#10;&#10;Descrição gerada automaticamente">
+            <a:extLst>
+              <a:ext uri="{FF2B5EF4-FFF2-40B4-BE49-F238E27FC236}">
+                <a16:creationId xmlns:a16="http://schemas.microsoft.com/office/drawing/2014/main" id="{2652C1D8-738C-4D70-8FB2-F52C6500095A}"/>
+              </a:ext>
+            </a:extLst>
+          </p:cNvPr>
+          <p:cNvPicPr>
+            <a:picLocks noChangeAspect="1"/>
+          </p:cNvPicPr>
+          <p:nvPr/>
+        </p:nvPicPr>
+        <p:blipFill>
+          <a:blip r:embed="rId5">
+            <a:extLst>
+              <a:ext uri="{28A0092B-C50C-407E-A947-70E740481C1C}">
+                <a14:useLocalDpi xmlns:a14="http://schemas.microsoft.com/office/drawing/2010/main" val="0"/>
+              </a:ext>
+            </a:extLst>
+          </a:blip>
+          <a:stretch>
+            <a:fillRect/>
+          </a:stretch>
+        </p:blipFill>
+        <p:spPr>
+          <a:xfrm>
+            <a:off x="338311" y="4535336"/>
+            <a:ext cx="1713334" cy="1713334"/>
+          </a:xfrm>
+          <a:prstGeom prst="round2DiagRect">
+            <a:avLst>
+              <a:gd name="adj1" fmla="val 16667"/>
+              <a:gd name="adj2" fmla="val 9796"/>
+            </a:avLst>
+          </a:prstGeom>
+          <a:ln w="88900" cap="sq">
+            <a:solidFill>
+              <a:srgbClr val="FFFFFF"/>
+            </a:solidFill>
+            <a:miter lim="800000"/>
+          </a:ln>
+          <a:effectLst>
+            <a:outerShdw blurRad="254000" algn="tl" rotWithShape="0">
+              <a:srgbClr val="000000">
+                <a:alpha val="43000"/>
+              </a:srgbClr>
+            </a:outerShdw>
+          </a:effectLst>
+        </p:spPr>
+      </p:pic>
     </p:spTree>
     <p:extLst>
       <p:ext uri="{BB962C8B-B14F-4D97-AF65-F5344CB8AC3E}">
         <p14:creationId xmlns:p14="http://schemas.microsoft.com/office/powerpoint/2010/main" val="2705625707"/>
-      </p:ext>
-    </p:extLst>
-  </p:cSld>
-  <p:clrMapOvr>
-    <a:masterClrMapping/>
-  </p:clrMapOvr>
-  <mc:AlternateContent xmlns:mc="http://schemas.openxmlformats.org/markup-compatibility/2006" xmlns:p14="http://schemas.microsoft.com/office/powerpoint/2010/main">
-    <mc:Choice Requires="p14">
-      <p:transition p14:dur="0"/>
-    </mc:Choice>
-    <mc:Fallback xmlns="">
-      <p:transition/>
-    </mc:Fallback>
-  </mc:AlternateContent>
-</p:sld>
-</file>
-
-<file path=ppt/slides/slide22.xml><?xml version="1.0" encoding="utf-8"?>
-<p:sld xmlns:a="http://schemas.openxmlformats.org/drawingml/2006/main" xmlns:r="http://schemas.openxmlformats.org/officeDocument/2006/relationships" xmlns:p="http://schemas.openxmlformats.org/presentationml/2006/main">
-  <p:cSld>
-    <p:spTree>
-      <p:nvGrpSpPr>
-        <p:cNvPr id="1" name=""/>
-        <p:cNvGrpSpPr/>
-        <p:nvPr/>
-      </p:nvGrpSpPr>
-      <p:grpSpPr>
-        <a:xfrm>
-          <a:off x="0" y="0"/>
-          <a:ext cx="0" cy="0"/>
-          <a:chOff x="0" y="0"/>
-          <a:chExt cx="0" cy="0"/>
-        </a:xfrm>
-      </p:grpSpPr>
-    </p:spTree>
-    <p:extLst>
-      <p:ext uri="{BB962C8B-B14F-4D97-AF65-F5344CB8AC3E}">
-        <p14:creationId xmlns:p14="http://schemas.microsoft.com/office/powerpoint/2010/main" val="3712667839"/>
       </p:ext>
     </p:extLst>
   </p:cSld>
@@ -19328,7 +19393,7 @@
               <a:defRPr/>
             </a:pPr>
             <a:r>
-              <a:rPr kumimoji="0" lang="en-US" sz="1600" b="0" i="0" u="none" strike="noStrike" kern="1200" cap="none" spc="0" normalizeH="0" baseline="0" noProof="0" dirty="0" err="1">
+              <a:rPr kumimoji="0" lang="en-US" sz="1600" b="0" i="0" strike="noStrike" kern="1200" cap="none" spc="0" normalizeH="0" baseline="0" noProof="0" dirty="0" err="1">
                 <a:ln>
                   <a:noFill/>
                 </a:ln>
@@ -19341,7 +19406,7 @@
               <a:t>Arquitetura</a:t>
             </a:r>
             <a:r>
-              <a:rPr kumimoji="0" lang="en-US" sz="1600" b="0" i="0" u="none" strike="noStrike" kern="1200" cap="none" spc="0" normalizeH="0" baseline="0" noProof="0" dirty="0">
+              <a:rPr kumimoji="0" lang="en-US" sz="1600" b="0" i="0" strike="noStrike" kern="1200" cap="none" spc="0" normalizeH="0" baseline="0" noProof="0" dirty="0">
                 <a:ln>
                   <a:noFill/>
                 </a:ln>
@@ -19351,35 +19416,9 @@
                 <a:latin typeface="Segoe UI" panose="020B0502040204020203" pitchFamily="34" charset="0"/>
                 <a:cs typeface="Segoe UI" panose="020B0502040204020203" pitchFamily="34" charset="0"/>
               </a:rPr>
-              <a:t> de </a:t>
+              <a:t> de Software;</a:t>
             </a:r>
-            <a:r>
-              <a:rPr kumimoji="0" lang="en-US" sz="1600" b="0" i="0" u="none" strike="noStrike" kern="1200" cap="none" spc="0" normalizeH="0" baseline="0" noProof="0" dirty="0" err="1">
-                <a:ln>
-                  <a:noFill/>
-                </a:ln>
-                <a:effectLst/>
-                <a:uLnTx/>
-                <a:uFillTx/>
-                <a:latin typeface="Segoe UI" panose="020B0502040204020203" pitchFamily="34" charset="0"/>
-                <a:cs typeface="Segoe UI" panose="020B0502040204020203" pitchFamily="34" charset="0"/>
-              </a:rPr>
-              <a:t>Softeare</a:t>
-            </a:r>
-            <a:r>
-              <a:rPr kumimoji="0" lang="en-US" sz="1600" b="0" i="0" u="none" strike="noStrike" kern="1200" cap="none" spc="0" normalizeH="0" baseline="0" noProof="0" dirty="0">
-                <a:ln>
-                  <a:noFill/>
-                </a:ln>
-                <a:effectLst/>
-                <a:uLnTx/>
-                <a:uFillTx/>
-                <a:latin typeface="Segoe UI" panose="020B0502040204020203" pitchFamily="34" charset="0"/>
-                <a:cs typeface="Segoe UI" panose="020B0502040204020203" pitchFamily="34" charset="0"/>
-              </a:rPr>
-              <a:t>;</a:t>
-            </a:r>
-            <a:endParaRPr kumimoji="0" lang="en-GB" sz="1600" b="0" i="0" u="none" strike="noStrike" kern="1200" cap="none" spc="0" normalizeH="0" baseline="0" noProof="0" dirty="0">
+            <a:endParaRPr kumimoji="0" lang="en-GB" sz="1600" b="0" i="0" strike="noStrike" kern="1200" cap="none" spc="0" normalizeH="0" baseline="0" noProof="0" dirty="0">
               <a:ln>
                 <a:noFill/>
               </a:ln>
@@ -22081,7 +22120,7 @@
                 <a:latin typeface="Segoe UI" panose="020B0502040204020203" pitchFamily="34" charset="0"/>
                 <a:cs typeface="Segoe UI" panose="020B0502040204020203" pitchFamily="34" charset="0"/>
               </a:rPr>
-              <a:t>Raramente têm seu próprio estado (quando têm, é o estado da IU).</a:t>
+              <a:t>Raramente têm seu próprio estado (quando têm, é o estado da UI).</a:t>
             </a:r>
             <a:endParaRPr kumimoji="0" lang="en-GB" sz="1400" b="0" i="0" u="none" strike="noStrike" kern="1200" cap="none" spc="0" normalizeH="0" baseline="0" noProof="0" dirty="0">
               <a:ln>
